--- a/FOPS_Git.pptx
+++ b/FOPS_Git.pptx
@@ -6,6 +6,7 @@
   </p:sldMasterIdLst>
   <p:sldIdLst>
     <p:sldId id="256" r:id="rId2"/>
+    <p:sldId id="257" r:id="rId3"/>
   </p:sldIdLst>
   <p:sldSz cx="12192000" cy="6858000"/>
   <p:notesSz cx="6858000" cy="9144000"/>
@@ -16216,6 +16217,61 @@
 </p:sld>
 </file>
 
+<file path=ppt/slides/slide2.xml><?xml version="1.0" encoding="utf-8"?>
+<p:sld xmlns:a="http://schemas.openxmlformats.org/drawingml/2006/main" xmlns:r="http://schemas.openxmlformats.org/officeDocument/2006/relationships" xmlns:p="http://schemas.openxmlformats.org/presentationml/2006/main">
+  <p:cSld>
+    <p:spTree>
+      <p:nvGrpSpPr>
+        <p:cNvPr id="1" name=""/>
+        <p:cNvGrpSpPr/>
+        <p:nvPr/>
+      </p:nvGrpSpPr>
+      <p:grpSpPr>
+        <a:xfrm>
+          <a:off x="0" y="0"/>
+          <a:ext cx="0" cy="0"/>
+          <a:chOff x="0" y="0"/>
+          <a:chExt cx="0" cy="0"/>
+        </a:xfrm>
+      </p:grpSpPr>
+      <p:sp>
+        <p:nvSpPr>
+          <p:cNvPr id="2" name="Tartalom helye 1">
+            <a:extLst>
+              <a:ext uri="{FF2B5EF4-FFF2-40B4-BE49-F238E27FC236}">
+                <a16:creationId xmlns:a16="http://schemas.microsoft.com/office/drawing/2014/main" id="{29A2153F-B67C-4BDB-8725-86A2B8035916}"/>
+              </a:ext>
+            </a:extLst>
+          </p:cNvPr>
+          <p:cNvSpPr>
+            <a:spLocks noGrp="1"/>
+          </p:cNvSpPr>
+          <p:nvPr>
+            <p:ph idx="1"/>
+          </p:nvPr>
+        </p:nvSpPr>
+        <p:spPr/>
+        <p:txBody>
+          <a:bodyPr/>
+          <a:lstStyle/>
+          <a:p>
+            <a:endParaRPr lang="hu-HU"/>
+          </a:p>
+        </p:txBody>
+      </p:sp>
+    </p:spTree>
+    <p:extLst>
+      <p:ext uri="{BB962C8B-B14F-4D97-AF65-F5344CB8AC3E}">
+        <p14:creationId xmlns:p14="http://schemas.microsoft.com/office/powerpoint/2010/main" val="2944726833"/>
+      </p:ext>
+    </p:extLst>
+  </p:cSld>
+  <p:clrMapOvr>
+    <a:masterClrMapping/>
+  </p:clrMapOvr>
+</p:sld>
+</file>
+
 <file path=ppt/theme/theme1.xml><?xml version="1.0" encoding="utf-8"?>
 <a:theme xmlns:a="http://schemas.openxmlformats.org/drawingml/2006/main" name="Atlasz">
   <a:themeElements>

--- a/FOPS_Git.pptx
+++ b/FOPS_Git.pptx
@@ -7,6 +7,12 @@
   <p:sldIdLst>
     <p:sldId id="256" r:id="rId2"/>
     <p:sldId id="257" r:id="rId3"/>
+    <p:sldId id="258" r:id="rId4"/>
+    <p:sldId id="260" r:id="rId5"/>
+    <p:sldId id="261" r:id="rId6"/>
+    <p:sldId id="262" r:id="rId7"/>
+    <p:sldId id="263" r:id="rId8"/>
+    <p:sldId id="259" r:id="rId9"/>
   </p:sldIdLst>
   <p:sldSz cx="12192000" cy="6858000"/>
   <p:notesSz cx="6858000" cy="9144000"/>
@@ -113,6 +119,15 @@
 </p:presentation>
 </file>
 
+<file path=ppt/revisionInfo.xml><?xml version="1.0" encoding="utf-8"?>
+<p1510:revInfo xmlns:a="http://schemas.openxmlformats.org/drawingml/2006/main" xmlns:r="http://schemas.openxmlformats.org/officeDocument/2006/relationships" xmlns:p1510="http://schemas.microsoft.com/office/powerpoint/2015/10/main">
+  <p1510:revLst>
+    <p1510:client id="{50052912-925E-830A-F533-F27F887840A6}" v="333" dt="2024-10-21T16:00:31.972"/>
+    <p1510:client id="{6CF9AD3C-433C-1848-9998-91B31793A4B4}" v="71" dt="2024-10-21T15:52:15.584"/>
+  </p1510:revLst>
+</p1510:revInfo>
+</file>
+
 <file path=ppt/slideLayouts/slideLayout1.xml><?xml version="1.0" encoding="utf-8"?>
 <p:sldLayout xmlns:a="http://schemas.openxmlformats.org/drawingml/2006/main" xmlns:r="http://schemas.openxmlformats.org/officeDocument/2006/relationships" xmlns:p="http://schemas.openxmlformats.org/presentationml/2006/main" type="title" preserve="1">
   <p:cSld name="Címdia">
@@ -1427,7 +1442,7 @@
             </a:lvl1pPr>
           </a:lstStyle>
           <a:p>
-            <a:endParaRPr lang="en-US" dirty="0"/>
+            <a:endParaRPr lang="en-US"/>
           </a:p>
         </p:txBody>
       </p:sp>
@@ -1498,10 +1513,10 @@
           </a:lstStyle>
           <a:p>
             <a:r>
-              <a:rPr lang="hu-HU" dirty="0"/>
+              <a:rPr lang="hu-HU"/>
               <a:t>Kattintson ide az alcím mintájának szerkesztéséhez</a:t>
             </a:r>
-            <a:endParaRPr lang="en-US" dirty="0"/>
+            <a:endParaRPr lang="en-US"/>
           </a:p>
         </p:txBody>
       </p:sp>
@@ -1532,9 +1547,9 @@
             <a:fld id="{48A87A34-81AB-432B-8DAE-1953F412C126}" type="datetimeFigureOut">
               <a:rPr lang="en-US" dirty="0"/>
               <a:pPr/>
-              <a:t>10/15/2024</a:t>
+              <a:t>10/21/2024</a:t>
             </a:fld>
-            <a:endParaRPr lang="en-US" dirty="0"/>
+            <a:endParaRPr lang="en-US"/>
           </a:p>
         </p:txBody>
       </p:sp>
@@ -1562,7 +1577,7 @@
             </a:lvl1pPr>
           </a:lstStyle>
           <a:p>
-            <a:endParaRPr lang="en-US" dirty="0"/>
+            <a:endParaRPr lang="en-US"/>
           </a:p>
         </p:txBody>
       </p:sp>
@@ -1590,7 +1605,7 @@
               <a:rPr lang="en-US" dirty="0"/>
               <a:t>‹#›</a:t>
             </a:fld>
-            <a:endParaRPr lang="en-US" dirty="0"/>
+            <a:endParaRPr lang="en-US"/>
           </a:p>
         </p:txBody>
       </p:sp>
@@ -2904,10 +2919,10 @@
           </a:lstStyle>
           <a:p>
             <a:r>
-              <a:rPr lang="hu-HU" dirty="0"/>
+              <a:rPr lang="hu-HU"/>
               <a:t>Mintacím szerkesztése</a:t>
             </a:r>
-            <a:endParaRPr lang="en-US" dirty="0"/>
+            <a:endParaRPr lang="en-US"/>
           </a:p>
         </p:txBody>
       </p:sp>
@@ -2964,7 +2979,7 @@
               <a:rPr lang="hu-HU"/>
               <a:t>Ötödik szint</a:t>
             </a:r>
-            <a:endParaRPr lang="en-US" dirty="0"/>
+            <a:endParaRPr lang="en-US"/>
           </a:p>
         </p:txBody>
       </p:sp>
@@ -2985,9 +3000,9 @@
           <a:p>
             <a:fld id="{48A87A34-81AB-432B-8DAE-1953F412C126}" type="datetimeFigureOut">
               <a:rPr lang="en-US" dirty="0"/>
-              <a:t>10/15/2024</a:t>
+              <a:t>10/21/2024</a:t>
             </a:fld>
-            <a:endParaRPr lang="en-US" dirty="0"/>
+            <a:endParaRPr lang="en-US"/>
           </a:p>
         </p:txBody>
       </p:sp>
@@ -3006,7 +3021,7 @@
           <a:bodyPr/>
           <a:lstStyle/>
           <a:p>
-            <a:endParaRPr lang="en-US" dirty="0"/>
+            <a:endParaRPr lang="en-US"/>
           </a:p>
         </p:txBody>
       </p:sp>
@@ -3029,7 +3044,7 @@
               <a:rPr lang="en-US" dirty="0"/>
               <a:t>‹#›</a:t>
             </a:fld>
-            <a:endParaRPr lang="en-US" dirty="0"/>
+            <a:endParaRPr lang="en-US"/>
           </a:p>
         </p:txBody>
       </p:sp>
@@ -4380,10 +4395,10 @@
           </a:lstStyle>
           <a:p>
             <a:r>
-              <a:rPr lang="hu-HU" dirty="0"/>
+              <a:rPr lang="hu-HU"/>
               <a:t>Mintacím szerkesztése</a:t>
             </a:r>
-            <a:endParaRPr lang="en-US" dirty="0"/>
+            <a:endParaRPr lang="en-US"/>
           </a:p>
         </p:txBody>
       </p:sp>
@@ -4440,7 +4455,7 @@
               <a:rPr lang="hu-HU"/>
               <a:t>Ötödik szint</a:t>
             </a:r>
-            <a:endParaRPr lang="en-US" dirty="0"/>
+            <a:endParaRPr lang="en-US"/>
           </a:p>
         </p:txBody>
       </p:sp>
@@ -4466,9 +4481,9 @@
           <a:p>
             <a:fld id="{48A87A34-81AB-432B-8DAE-1953F412C126}" type="datetimeFigureOut">
               <a:rPr lang="en-US" dirty="0"/>
-              <a:t>10/15/2024</a:t>
+              <a:t>10/21/2024</a:t>
             </a:fld>
-            <a:endParaRPr lang="en-US" dirty="0"/>
+            <a:endParaRPr lang="en-US"/>
           </a:p>
         </p:txBody>
       </p:sp>
@@ -4492,7 +4507,7 @@
           <a:bodyPr/>
           <a:lstStyle/>
           <a:p>
-            <a:endParaRPr lang="en-US" dirty="0"/>
+            <a:endParaRPr lang="en-US"/>
           </a:p>
         </p:txBody>
       </p:sp>
@@ -4520,7 +4535,7 @@
               <a:rPr lang="en-US" dirty="0"/>
               <a:t>‹#›</a:t>
             </a:fld>
-            <a:endParaRPr lang="en-US" dirty="0"/>
+            <a:endParaRPr lang="en-US"/>
           </a:p>
         </p:txBody>
       </p:sp>
@@ -4608,7 +4623,7 @@
           <a:lstStyle/>
           <a:p>
             <a:r>
-              <a:rPr lang="hu-HU" dirty="0"/>
+              <a:rPr lang="hu-HU"/>
               <a:t>pénz</a:t>
             </a:r>
           </a:p>
@@ -5775,7 +5790,7 @@
         </p:nvGrpSpPr>
         <p:grpSpPr>
           <a:xfrm>
-            <a:off x="800144" y="1699589"/>
+            <a:off x="765219" y="136960"/>
             <a:ext cx="3674476" cy="3470421"/>
             <a:chOff x="697883" y="1816768"/>
             <a:chExt cx="3674476" cy="3470421"/>
@@ -5943,7 +5958,7 @@
               <a:rPr lang="hu-HU"/>
               <a:t>Ötödik szint</a:t>
             </a:r>
-            <a:endParaRPr lang="en-US" dirty="0"/>
+            <a:endParaRPr lang="en-US"/>
           </a:p>
         </p:txBody>
       </p:sp>
@@ -5964,9 +5979,9 @@
           <a:p>
             <a:fld id="{48A87A34-81AB-432B-8DAE-1953F412C126}" type="datetimeFigureOut">
               <a:rPr lang="en-US" dirty="0"/>
-              <a:t>10/15/2024</a:t>
+              <a:t>10/21/2024</a:t>
             </a:fld>
-            <a:endParaRPr lang="en-US" dirty="0"/>
+            <a:endParaRPr lang="en-US"/>
           </a:p>
         </p:txBody>
       </p:sp>
@@ -5985,7 +6000,7 @@
           <a:bodyPr/>
           <a:lstStyle/>
           <a:p>
-            <a:endParaRPr lang="en-US" dirty="0"/>
+            <a:endParaRPr lang="en-US"/>
           </a:p>
         </p:txBody>
       </p:sp>
@@ -6008,7 +6023,7 @@
               <a:rPr lang="en-US" dirty="0"/>
               <a:t>‹#›</a:t>
             </a:fld>
-            <a:endParaRPr lang="en-US" dirty="0"/>
+            <a:endParaRPr lang="en-US"/>
           </a:p>
         </p:txBody>
       </p:sp>
@@ -6026,7 +6041,7 @@
         </p:nvGrpSpPr>
         <p:grpSpPr>
           <a:xfrm>
-            <a:off x="784224" y="1750814"/>
+            <a:off x="749299" y="188185"/>
             <a:ext cx="3674476" cy="3470421"/>
             <a:chOff x="697883" y="1816768"/>
             <a:chExt cx="3674476" cy="3470421"/>
@@ -6180,7 +6195,7 @@
         </p:nvSpPr>
         <p:spPr>
           <a:xfrm>
-            <a:off x="889000" y="2339669"/>
+            <a:off x="854075" y="777040"/>
             <a:ext cx="3500828" cy="2470065"/>
           </a:xfrm>
           <a:prstGeom prst="rect">
@@ -6212,7 +6227,43 @@
             </a:lvl1pPr>
           </a:lstStyle>
           <a:p>
-            <a:endParaRPr lang="en-US" dirty="0"/>
+            <a:endParaRPr lang="en-US"/>
+          </a:p>
+        </p:txBody>
+      </p:sp>
+      <p:sp>
+        <p:nvSpPr>
+          <p:cNvPr id="38" name="Title 1"/>
+          <p:cNvSpPr>
+            <a:spLocks noGrp="1"/>
+          </p:cNvSpPr>
+          <p:nvPr>
+            <p:ph type="title"/>
+          </p:nvPr>
+        </p:nvSpPr>
+        <p:spPr>
+          <a:xfrm>
+            <a:off x="836123" y="825884"/>
+            <a:ext cx="3500828" cy="2470065"/>
+          </a:xfrm>
+        </p:spPr>
+        <p:txBody>
+          <a:bodyPr lIns="91440" tIns="91440" rIns="91440" bIns="91440"/>
+          <a:lstStyle>
+            <a:lvl1pPr>
+              <a:defRPr>
+                <a:solidFill>
+                  <a:srgbClr val="FFFEFF"/>
+                </a:solidFill>
+              </a:defRPr>
+            </a:lvl1pPr>
+          </a:lstStyle>
+          <a:p>
+            <a:r>
+              <a:rPr lang="hu-HU"/>
+              <a:t>Mintacím szerkesztése</a:t>
+            </a:r>
+            <a:endParaRPr lang="en-US"/>
           </a:p>
         </p:txBody>
       </p:sp>
@@ -7519,7 +7570,7 @@
             <a:bodyPr/>
             <a:lstStyle/>
             <a:p>
-              <a:endParaRPr lang="hu-HU" dirty="0"/>
+              <a:endParaRPr lang="hu-HU"/>
             </a:p>
           </p:txBody>
         </p:sp>
@@ -7555,10 +7606,10 @@
           </a:lstStyle>
           <a:p>
             <a:r>
-              <a:rPr lang="hu-HU" dirty="0"/>
+              <a:rPr lang="hu-HU"/>
               <a:t>Mintacím szerkesztése</a:t>
             </a:r>
-            <a:endParaRPr lang="en-US" dirty="0"/>
+            <a:endParaRPr lang="en-US"/>
           </a:p>
         </p:txBody>
       </p:sp>
@@ -7675,7 +7726,7 @@
           <a:p>
             <a:pPr lvl="0"/>
             <a:r>
-              <a:rPr lang="hu-HU" dirty="0"/>
+              <a:rPr lang="hu-HU"/>
               <a:t>Mintaszöveg szerkesztése</a:t>
             </a:r>
           </a:p>
@@ -7703,9 +7754,9 @@
           <a:p>
             <a:fld id="{48A87A34-81AB-432B-8DAE-1953F412C126}" type="datetimeFigureOut">
               <a:rPr lang="en-US" dirty="0"/>
-              <a:t>10/15/2024</a:t>
+              <a:t>10/21/2024</a:t>
             </a:fld>
-            <a:endParaRPr lang="en-US" dirty="0"/>
+            <a:endParaRPr lang="en-US"/>
           </a:p>
         </p:txBody>
       </p:sp>
@@ -7733,7 +7784,7 @@
             </a:lvl1pPr>
           </a:lstStyle>
           <a:p>
-            <a:endParaRPr lang="en-US" dirty="0"/>
+            <a:endParaRPr lang="en-US"/>
           </a:p>
         </p:txBody>
       </p:sp>
@@ -7761,7 +7812,7 @@
               <a:rPr lang="en-US" dirty="0"/>
               <a:t>‹#›</a:t>
             </a:fld>
-            <a:endParaRPr lang="en-US" dirty="0"/>
+            <a:endParaRPr lang="en-US"/>
           </a:p>
         </p:txBody>
       </p:sp>
@@ -7798,7 +7849,7 @@
         </p:nvGrpSpPr>
         <p:grpSpPr>
           <a:xfrm>
-            <a:off x="-417513" y="0"/>
+            <a:off x="-513212" y="245543"/>
             <a:ext cx="12584114" cy="6853238"/>
             <a:chOff x="-417513" y="0"/>
             <a:chExt cx="12584114" cy="6853238"/>
@@ -9093,10 +9144,10 @@
           </a:lstStyle>
           <a:p>
             <a:r>
-              <a:rPr lang="hu-HU" dirty="0"/>
+              <a:rPr lang="hu-HU"/>
               <a:t>Mintacím szerkesztése</a:t>
             </a:r>
-            <a:endParaRPr lang="en-US" dirty="0"/>
+            <a:endParaRPr lang="en-US"/>
           </a:p>
         </p:txBody>
       </p:sp>
@@ -9153,7 +9204,7 @@
               <a:rPr lang="hu-HU"/>
               <a:t>Ötödik szint</a:t>
             </a:r>
-            <a:endParaRPr lang="en-US" dirty="0"/>
+            <a:endParaRPr lang="en-US"/>
           </a:p>
         </p:txBody>
       </p:sp>
@@ -9210,7 +9261,7 @@
               <a:rPr lang="hu-HU"/>
               <a:t>Ötödik szint</a:t>
             </a:r>
-            <a:endParaRPr lang="en-US" dirty="0"/>
+            <a:endParaRPr lang="en-US"/>
           </a:p>
         </p:txBody>
       </p:sp>
@@ -9236,9 +9287,9 @@
           <a:p>
             <a:fld id="{48A87A34-81AB-432B-8DAE-1953F412C126}" type="datetimeFigureOut">
               <a:rPr lang="en-US" dirty="0"/>
-              <a:t>10/15/2024</a:t>
+              <a:t>10/21/2024</a:t>
             </a:fld>
-            <a:endParaRPr lang="en-US" dirty="0"/>
+            <a:endParaRPr lang="en-US"/>
           </a:p>
         </p:txBody>
       </p:sp>
@@ -9262,7 +9313,7 @@
           <a:bodyPr/>
           <a:lstStyle/>
           <a:p>
-            <a:endParaRPr lang="en-US" dirty="0"/>
+            <a:endParaRPr lang="en-US"/>
           </a:p>
         </p:txBody>
       </p:sp>
@@ -9290,7 +9341,7 @@
               <a:rPr lang="en-US" dirty="0"/>
               <a:t>‹#›</a:t>
             </a:fld>
-            <a:endParaRPr lang="en-US" dirty="0"/>
+            <a:endParaRPr lang="en-US"/>
           </a:p>
         </p:txBody>
       </p:sp>
@@ -10614,10 +10665,10 @@
           </a:lstStyle>
           <a:p>
             <a:r>
-              <a:rPr lang="hu-HU" dirty="0"/>
+              <a:rPr lang="hu-HU"/>
               <a:t>Mintacím szerkesztése</a:t>
             </a:r>
-            <a:endParaRPr lang="en-US" dirty="0"/>
+            <a:endParaRPr lang="en-US"/>
           </a:p>
         </p:txBody>
       </p:sp>
@@ -10689,7 +10740,7 @@
           <a:p>
             <a:pPr lvl="0"/>
             <a:r>
-              <a:rPr lang="hu-HU" dirty="0"/>
+              <a:rPr lang="hu-HU"/>
               <a:t>Mintaszöveg szerkesztése</a:t>
             </a:r>
           </a:p>
@@ -10748,7 +10799,7 @@
               <a:rPr lang="hu-HU"/>
               <a:t>Ötödik szint</a:t>
             </a:r>
-            <a:endParaRPr lang="en-US" dirty="0"/>
+            <a:endParaRPr lang="en-US"/>
           </a:p>
         </p:txBody>
       </p:sp>
@@ -10820,7 +10871,7 @@
           <a:p>
             <a:pPr lvl="0"/>
             <a:r>
-              <a:rPr lang="hu-HU" dirty="0"/>
+              <a:rPr lang="hu-HU"/>
               <a:t>Mintaszöveg szerkesztése</a:t>
             </a:r>
           </a:p>
@@ -10879,7 +10930,7 @@
               <a:rPr lang="hu-HU"/>
               <a:t>Ötödik szint</a:t>
             </a:r>
-            <a:endParaRPr lang="en-US" dirty="0"/>
+            <a:endParaRPr lang="en-US"/>
           </a:p>
         </p:txBody>
       </p:sp>
@@ -10905,9 +10956,9 @@
           <a:p>
             <a:fld id="{48A87A34-81AB-432B-8DAE-1953F412C126}" type="datetimeFigureOut">
               <a:rPr lang="en-US" dirty="0"/>
-              <a:t>10/15/2024</a:t>
+              <a:t>10/21/2024</a:t>
             </a:fld>
-            <a:endParaRPr lang="en-US" dirty="0"/>
+            <a:endParaRPr lang="en-US"/>
           </a:p>
         </p:txBody>
       </p:sp>
@@ -10931,7 +10982,7 @@
           <a:bodyPr/>
           <a:lstStyle/>
           <a:p>
-            <a:endParaRPr lang="en-US" dirty="0"/>
+            <a:endParaRPr lang="en-US"/>
           </a:p>
         </p:txBody>
       </p:sp>
@@ -10959,7 +11010,7 @@
               <a:rPr lang="en-US" dirty="0"/>
               <a:t>‹#›</a:t>
             </a:fld>
-            <a:endParaRPr lang="en-US" dirty="0"/>
+            <a:endParaRPr lang="en-US"/>
           </a:p>
         </p:txBody>
       </p:sp>
@@ -12276,7 +12327,7 @@
               <a:rPr lang="hu-HU"/>
               <a:t>Mintacím szerkesztése</a:t>
             </a:r>
-            <a:endParaRPr lang="en-US" dirty="0"/>
+            <a:endParaRPr lang="en-US"/>
           </a:p>
         </p:txBody>
       </p:sp>
@@ -12297,9 +12348,9 @@
           <a:p>
             <a:fld id="{48A87A34-81AB-432B-8DAE-1953F412C126}" type="datetimeFigureOut">
               <a:rPr lang="en-US" dirty="0"/>
-              <a:t>10/15/2024</a:t>
+              <a:t>10/21/2024</a:t>
             </a:fld>
-            <a:endParaRPr lang="en-US" dirty="0"/>
+            <a:endParaRPr lang="en-US"/>
           </a:p>
         </p:txBody>
       </p:sp>
@@ -12318,7 +12369,7 @@
           <a:bodyPr/>
           <a:lstStyle/>
           <a:p>
-            <a:endParaRPr lang="en-US" dirty="0"/>
+            <a:endParaRPr lang="en-US"/>
           </a:p>
         </p:txBody>
       </p:sp>
@@ -12341,7 +12392,7 @@
               <a:rPr lang="en-US" dirty="0"/>
               <a:t>‹#›</a:t>
             </a:fld>
-            <a:endParaRPr lang="en-US" dirty="0"/>
+            <a:endParaRPr lang="en-US"/>
           </a:p>
         </p:txBody>
       </p:sp>
@@ -12392,9 +12443,9 @@
           <a:p>
             <a:fld id="{48A87A34-81AB-432B-8DAE-1953F412C126}" type="datetimeFigureOut">
               <a:rPr lang="en-US" dirty="0"/>
-              <a:t>10/15/2024</a:t>
+              <a:t>10/21/2024</a:t>
             </a:fld>
-            <a:endParaRPr lang="en-US" dirty="0"/>
+            <a:endParaRPr lang="en-US"/>
           </a:p>
         </p:txBody>
       </p:sp>
@@ -12418,7 +12469,7 @@
           <a:bodyPr/>
           <a:lstStyle/>
           <a:p>
-            <a:endParaRPr lang="en-US" dirty="0"/>
+            <a:endParaRPr lang="en-US"/>
           </a:p>
         </p:txBody>
       </p:sp>
@@ -12446,7 +12497,7 @@
               <a:rPr lang="en-US" dirty="0"/>
               <a:t>‹#›</a:t>
             </a:fld>
-            <a:endParaRPr lang="en-US" dirty="0"/>
+            <a:endParaRPr lang="en-US"/>
           </a:p>
         </p:txBody>
       </p:sp>
@@ -13765,7 +13816,7 @@
               <a:rPr lang="hu-HU"/>
               <a:t>Mintacím szerkesztése</a:t>
             </a:r>
-            <a:endParaRPr lang="en-US" dirty="0"/>
+            <a:endParaRPr lang="en-US"/>
           </a:p>
         </p:txBody>
       </p:sp>
@@ -13822,7 +13873,7 @@
               <a:rPr lang="hu-HU"/>
               <a:t>Ötödik szint</a:t>
             </a:r>
-            <a:endParaRPr lang="en-US" dirty="0"/>
+            <a:endParaRPr lang="en-US"/>
           </a:p>
         </p:txBody>
       </p:sp>
@@ -13912,9 +13963,9 @@
           <a:p>
             <a:fld id="{48A87A34-81AB-432B-8DAE-1953F412C126}" type="datetimeFigureOut">
               <a:rPr lang="en-US" dirty="0"/>
-              <a:t>10/15/2024</a:t>
+              <a:t>10/21/2024</a:t>
             </a:fld>
-            <a:endParaRPr lang="en-US" dirty="0"/>
+            <a:endParaRPr lang="en-US"/>
           </a:p>
         </p:txBody>
       </p:sp>
@@ -13933,7 +13984,7 @@
           <a:bodyPr/>
           <a:lstStyle/>
           <a:p>
-            <a:endParaRPr lang="en-US" dirty="0"/>
+            <a:endParaRPr lang="en-US"/>
           </a:p>
         </p:txBody>
       </p:sp>
@@ -13956,7 +14007,7 @@
               <a:rPr lang="en-US" dirty="0"/>
               <a:t>‹#›</a:t>
             </a:fld>
-            <a:endParaRPr lang="en-US" dirty="0"/>
+            <a:endParaRPr lang="en-US"/>
           </a:p>
         </p:txBody>
       </p:sp>
@@ -15307,7 +15358,7 @@
               <a:rPr lang="hu-HU"/>
               <a:t>Kép beszúrásához kattintson az ikonra</a:t>
             </a:r>
-            <a:endParaRPr lang="en-US" dirty="0"/>
+            <a:endParaRPr lang="en-US"/>
           </a:p>
         </p:txBody>
       </p:sp>
@@ -15345,7 +15396,7 @@
               <a:rPr lang="hu-HU"/>
               <a:t>Mintacím szerkesztése</a:t>
             </a:r>
-            <a:endParaRPr lang="en-US" dirty="0"/>
+            <a:endParaRPr lang="en-US"/>
           </a:p>
         </p:txBody>
       </p:sp>
@@ -15442,9 +15493,9 @@
           <a:p>
             <a:fld id="{48A87A34-81AB-432B-8DAE-1953F412C126}" type="datetimeFigureOut">
               <a:rPr lang="en-US" dirty="0"/>
-              <a:t>10/15/2024</a:t>
+              <a:t>10/21/2024</a:t>
             </a:fld>
-            <a:endParaRPr lang="en-US" dirty="0"/>
+            <a:endParaRPr lang="en-US"/>
           </a:p>
         </p:txBody>
       </p:sp>
@@ -15468,7 +15519,7 @@
           <a:bodyPr/>
           <a:lstStyle/>
           <a:p>
-            <a:endParaRPr lang="en-US" dirty="0"/>
+            <a:endParaRPr lang="en-US"/>
           </a:p>
         </p:txBody>
       </p:sp>
@@ -15496,7 +15547,7 @@
               <a:rPr lang="en-US" dirty="0"/>
               <a:t>‹#›</a:t>
             </a:fld>
-            <a:endParaRPr lang="en-US" dirty="0"/>
+            <a:endParaRPr lang="en-US"/>
           </a:p>
         </p:txBody>
       </p:sp>
@@ -15561,10 +15612,10 @@
           <a:lstStyle/>
           <a:p>
             <a:r>
-              <a:rPr lang="hu-HU" dirty="0"/>
+              <a:rPr lang="hu-HU"/>
               <a:t>Mintacím szerkesztése</a:t>
             </a:r>
-            <a:endParaRPr lang="en-US" dirty="0"/>
+            <a:endParaRPr lang="en-US"/>
           </a:p>
         </p:txBody>
       </p:sp>
@@ -15595,63 +15646,63 @@
           <a:p>
             <a:pPr lvl="0"/>
             <a:r>
-              <a:rPr lang="en-US" dirty="0"/>
+              <a:rPr lang="en-US"/>
               <a:t>Edit Master text styles</a:t>
             </a:r>
           </a:p>
           <a:p>
             <a:pPr lvl="1"/>
             <a:r>
-              <a:rPr lang="en-US" dirty="0"/>
+              <a:rPr lang="en-US"/>
               <a:t>Second level</a:t>
             </a:r>
           </a:p>
           <a:p>
             <a:pPr lvl="2"/>
             <a:r>
-              <a:rPr lang="en-US" dirty="0"/>
+              <a:rPr lang="en-US"/>
               <a:t>Third level</a:t>
             </a:r>
           </a:p>
           <a:p>
             <a:pPr lvl="3"/>
             <a:r>
-              <a:rPr lang="en-US" dirty="0"/>
+              <a:rPr lang="en-US"/>
               <a:t>Fourth level</a:t>
             </a:r>
           </a:p>
           <a:p>
             <a:pPr lvl="4"/>
             <a:r>
-              <a:rPr lang="en-US" dirty="0"/>
+              <a:rPr lang="en-US"/>
               <a:t>Fifth level</a:t>
             </a:r>
           </a:p>
           <a:p>
             <a:pPr lvl="5"/>
             <a:r>
-              <a:rPr lang="en-US" dirty="0"/>
+              <a:rPr lang="en-US"/>
               <a:t>6</a:t>
             </a:r>
           </a:p>
           <a:p>
             <a:pPr lvl="6"/>
             <a:r>
-              <a:rPr lang="en-US" dirty="0"/>
+              <a:rPr lang="en-US"/>
               <a:t>7</a:t>
             </a:r>
           </a:p>
           <a:p>
             <a:pPr lvl="7"/>
             <a:r>
-              <a:rPr lang="en-US" dirty="0"/>
+              <a:rPr lang="en-US"/>
               <a:t>8</a:t>
             </a:r>
           </a:p>
           <a:p>
             <a:pPr lvl="8"/>
             <a:r>
-              <a:rPr lang="en-US" dirty="0"/>
+              <a:rPr lang="en-US"/>
               <a:t>9</a:t>
             </a:r>
           </a:p>
@@ -15693,9 +15744,9 @@
             <a:fld id="{48A87A34-81AB-432B-8DAE-1953F412C126}" type="datetimeFigureOut">
               <a:rPr lang="en-US" dirty="0"/>
               <a:pPr/>
-              <a:t>10/15/2024</a:t>
+              <a:t>10/21/2024</a:t>
             </a:fld>
-            <a:endParaRPr lang="en-US" dirty="0"/>
+            <a:endParaRPr lang="en-US"/>
           </a:p>
         </p:txBody>
       </p:sp>
@@ -15732,7 +15783,7 @@
             </a:lvl1pPr>
           </a:lstStyle>
           <a:p>
-            <a:endParaRPr lang="en-US" dirty="0"/>
+            <a:endParaRPr lang="en-US"/>
           </a:p>
         </p:txBody>
       </p:sp>
@@ -15774,7 +15825,7 @@
               <a:pPr/>
               <a:t>‹#›</a:t>
             </a:fld>
-            <a:endParaRPr lang="en-US" dirty="0"/>
+            <a:endParaRPr lang="en-US"/>
           </a:p>
         </p:txBody>
       </p:sp>
@@ -16162,15 +16213,15 @@
           <a:lstStyle/>
           <a:p>
             <a:r>
-              <a:rPr lang="hu-HU" dirty="0"/>
+              <a:rPr lang="hu-HU"/>
               <a:t>A </a:t>
             </a:r>
             <a:r>
-              <a:rPr lang="hu-HU" dirty="0" err="1"/>
+              <a:rPr lang="hu-HU" err="1"/>
               <a:t>Git</a:t>
             </a:r>
             <a:r>
-              <a:rPr lang="hu-HU" dirty="0"/>
+              <a:rPr lang="hu-HU"/>
               <a:t> használata</a:t>
             </a:r>
           </a:p>
@@ -16198,7 +16249,7 @@
           <a:lstStyle/>
           <a:p>
             <a:r>
-              <a:rPr lang="hu-HU" dirty="0"/>
+              <a:rPr lang="hu-HU"/>
               <a:t>Készítette: FOPS Team</a:t>
             </a:r>
           </a:p>
@@ -16214,6 +16265,9 @@
   <p:clrMapOvr>
     <a:masterClrMapping/>
   </p:clrMapOvr>
+  <p:transition spd="slow">
+    <p:push dir="u"/>
+  </p:transition>
 </p:sld>
 </file>
 
@@ -16236,18 +16290,233 @@
       </p:grpSpPr>
       <p:sp>
         <p:nvSpPr>
-          <p:cNvPr id="2" name="Tartalom helye 1">
-            <a:extLst>
-              <a:ext uri="{FF2B5EF4-FFF2-40B4-BE49-F238E27FC236}">
-                <a16:creationId xmlns:a16="http://schemas.microsoft.com/office/drawing/2014/main" id="{29A2153F-B67C-4BDB-8725-86A2B8035916}"/>
-              </a:ext>
-            </a:extLst>
-          </p:cNvPr>
+          <p:cNvPr id="2" name="Tartalom helye 1"/>
           <p:cNvSpPr>
             <a:spLocks noGrp="1"/>
           </p:cNvSpPr>
           <p:nvPr>
             <p:ph idx="1"/>
+          </p:nvPr>
+        </p:nvSpPr>
+        <p:spPr/>
+        <p:txBody>
+          <a:bodyPr>
+            <a:normAutofit/>
+          </a:bodyPr>
+          <a:lstStyle/>
+          <a:p>
+            <a:r>
+              <a:rPr lang="hu-HU" sz="3200"/>
+              <a:t>Egy nyílt forráskódú verziókezelő szoftver</a:t>
+            </a:r>
+          </a:p>
+          <a:p>
+            <a:r>
+              <a:rPr lang="hu-HU" sz="3200"/>
+              <a:t>Eredeti fejlesztője Linus </a:t>
+            </a:r>
+            <a:r>
+              <a:rPr lang="hu-HU" sz="3200" err="1"/>
+              <a:t>Torvalds</a:t>
+            </a:r>
+            <a:endParaRPr lang="hu-HU" sz="3200"/>
+          </a:p>
+        </p:txBody>
+      </p:sp>
+      <p:sp>
+        <p:nvSpPr>
+          <p:cNvPr id="3" name="Cím 2"/>
+          <p:cNvSpPr>
+            <a:spLocks noGrp="1"/>
+          </p:cNvSpPr>
+          <p:nvPr>
+            <p:ph type="title"/>
+          </p:nvPr>
+        </p:nvSpPr>
+        <p:spPr/>
+        <p:txBody>
+          <a:bodyPr/>
+          <a:lstStyle/>
+          <a:p>
+            <a:r>
+              <a:rPr lang="hu-HU"/>
+              <a:t>Mi az a </a:t>
+            </a:r>
+            <a:r>
+              <a:rPr lang="hu-HU" err="1"/>
+              <a:t>Git</a:t>
+            </a:r>
+            <a:r>
+              <a:rPr lang="hu-HU"/>
+              <a:t>?</a:t>
+            </a:r>
+          </a:p>
+        </p:txBody>
+      </p:sp>
+      <p:pic>
+        <p:nvPicPr>
+          <p:cNvPr id="1030" name="Picture 6" descr="undefined"/>
+          <p:cNvPicPr>
+            <a:picLocks noChangeAspect="1" noChangeArrowheads="1"/>
+          </p:cNvPicPr>
+          <p:nvPr/>
+        </p:nvPicPr>
+        <p:blipFill>
+          <a:blip r:embed="rId2">
+            <a:extLst>
+              <a:ext uri="{28A0092B-C50C-407E-A947-70E740481C1C}">
+                <a14:useLocalDpi xmlns:a14="http://schemas.microsoft.com/office/drawing/2010/main" val="0"/>
+              </a:ext>
+            </a:extLst>
+          </a:blip>
+          <a:srcRect/>
+          <a:stretch>
+            <a:fillRect/>
+          </a:stretch>
+        </p:blipFill>
+        <p:spPr bwMode="auto">
+          <a:xfrm>
+            <a:off x="1551496" y="3760508"/>
+            <a:ext cx="2070082" cy="2880000"/>
+          </a:xfrm>
+          <a:prstGeom prst="rect">
+            <a:avLst/>
+          </a:prstGeom>
+          <a:ln w="88900" cap="sq" cmpd="thickThin">
+            <a:solidFill>
+              <a:srgbClr val="000000"/>
+            </a:solidFill>
+            <a:prstDash val="solid"/>
+            <a:miter lim="800000"/>
+          </a:ln>
+          <a:effectLst>
+            <a:innerShdw blurRad="76200">
+              <a:srgbClr val="000000"/>
+            </a:innerShdw>
+          </a:effectLst>
+          <a:extLst>
+            <a:ext uri="{909E8E84-426E-40DD-AFC4-6F175D3DCCD1}">
+              <a14:hiddenFill xmlns:a14="http://schemas.microsoft.com/office/drawing/2010/main">
+                <a:solidFill>
+                  <a:srgbClr val="FFFFFF"/>
+                </a:solidFill>
+              </a14:hiddenFill>
+            </a:ext>
+          </a:extLst>
+        </p:spPr>
+      </p:pic>
+      <p:sp>
+        <p:nvSpPr>
+          <p:cNvPr id="5" name="Szövegdoboz 4"/>
+          <p:cNvSpPr txBox="1"/>
+          <p:nvPr/>
+        </p:nvSpPr>
+        <p:spPr>
+          <a:xfrm>
+            <a:off x="3699732" y="4877342"/>
+            <a:ext cx="1276865" cy="646331"/>
+          </a:xfrm>
+          <a:prstGeom prst="rect">
+            <a:avLst/>
+          </a:prstGeom>
+          <a:noFill/>
+        </p:spPr>
+        <p:txBody>
+          <a:bodyPr wrap="square" rtlCol="0">
+            <a:spAutoFit/>
+          </a:bodyPr>
+          <a:lstStyle/>
+          <a:p>
+            <a:r>
+              <a:rPr lang="hu-HU">
+                <a:solidFill>
+                  <a:schemeClr val="bg1"/>
+                </a:solidFill>
+                <a:latin typeface="Bahnschrift" panose="020B0502040204020203" pitchFamily="34" charset="0"/>
+              </a:rPr>
+              <a:t>Linus </a:t>
+            </a:r>
+            <a:r>
+              <a:rPr lang="hu-HU" err="1">
+                <a:solidFill>
+                  <a:schemeClr val="bg1"/>
+                </a:solidFill>
+                <a:latin typeface="Bahnschrift" panose="020B0502040204020203" pitchFamily="34" charset="0"/>
+              </a:rPr>
+              <a:t>Torvalds</a:t>
+            </a:r>
+            <a:endParaRPr lang="hu-HU">
+              <a:solidFill>
+                <a:schemeClr val="bg1"/>
+              </a:solidFill>
+              <a:latin typeface="Bahnschrift" panose="020B0502040204020203" pitchFamily="34" charset="0"/>
+            </a:endParaRPr>
+          </a:p>
+        </p:txBody>
+      </p:sp>
+    </p:spTree>
+    <p:extLst>
+      <p:ext uri="{BB962C8B-B14F-4D97-AF65-F5344CB8AC3E}">
+        <p14:creationId xmlns:p14="http://schemas.microsoft.com/office/powerpoint/2010/main" val="718366628"/>
+      </p:ext>
+    </p:extLst>
+  </p:cSld>
+  <p:clrMapOvr>
+    <a:masterClrMapping/>
+  </p:clrMapOvr>
+  <p:transition spd="slow">
+    <p:push dir="u"/>
+  </p:transition>
+</p:sld>
+</file>
+
+<file path=ppt/slides/slide3.xml><?xml version="1.0" encoding="utf-8"?>
+<p:sld xmlns:a="http://schemas.openxmlformats.org/drawingml/2006/main" xmlns:r="http://schemas.openxmlformats.org/officeDocument/2006/relationships" xmlns:p="http://schemas.openxmlformats.org/presentationml/2006/main">
+  <p:cSld>
+    <p:spTree>
+      <p:nvGrpSpPr>
+        <p:cNvPr id="1" name=""/>
+        <p:cNvGrpSpPr/>
+        <p:nvPr/>
+      </p:nvGrpSpPr>
+      <p:grpSpPr>
+        <a:xfrm>
+          <a:off x="0" y="0"/>
+          <a:ext cx="0" cy="0"/>
+          <a:chOff x="0" y="0"/>
+          <a:chExt cx="0" cy="0"/>
+        </a:xfrm>
+      </p:grpSpPr>
+      <p:sp>
+        <p:nvSpPr>
+          <p:cNvPr id="2" name="Cím 1"/>
+          <p:cNvSpPr>
+            <a:spLocks noGrp="1"/>
+          </p:cNvSpPr>
+          <p:nvPr>
+            <p:ph type="title"/>
+          </p:nvPr>
+        </p:nvSpPr>
+        <p:spPr/>
+        <p:txBody>
+          <a:bodyPr/>
+          <a:lstStyle/>
+          <a:p>
+            <a:r>
+              <a:rPr lang="hu-HU"/>
+              <a:t>Alapfogalmak</a:t>
+            </a:r>
+          </a:p>
+        </p:txBody>
+      </p:sp>
+      <p:sp>
+        <p:nvSpPr>
+          <p:cNvPr id="3" name="Szöveg helye 2"/>
+          <p:cNvSpPr>
+            <a:spLocks noGrp="1"/>
+          </p:cNvSpPr>
+          <p:nvPr>
+            <p:ph type="body" idx="1"/>
           </p:nvPr>
         </p:nvSpPr>
         <p:spPr/>
@@ -16262,13 +16531,1025 @@
     </p:spTree>
     <p:extLst>
       <p:ext uri="{BB962C8B-B14F-4D97-AF65-F5344CB8AC3E}">
-        <p14:creationId xmlns:p14="http://schemas.microsoft.com/office/powerpoint/2010/main" val="2944726833"/>
+        <p14:creationId xmlns:p14="http://schemas.microsoft.com/office/powerpoint/2010/main" val="2687353495"/>
       </p:ext>
     </p:extLst>
   </p:cSld>
   <p:clrMapOvr>
     <a:masterClrMapping/>
   </p:clrMapOvr>
+  <p:transition spd="slow">
+    <p:push dir="u"/>
+  </p:transition>
+</p:sld>
+</file>
+
+<file path=ppt/slides/slide4.xml><?xml version="1.0" encoding="utf-8"?>
+<p:sld xmlns:a="http://schemas.openxmlformats.org/drawingml/2006/main" xmlns:r="http://schemas.openxmlformats.org/officeDocument/2006/relationships" xmlns:p="http://schemas.openxmlformats.org/presentationml/2006/main">
+  <p:cSld>
+    <p:spTree>
+      <p:nvGrpSpPr>
+        <p:cNvPr id="1" name=""/>
+        <p:cNvGrpSpPr/>
+        <p:nvPr/>
+      </p:nvGrpSpPr>
+      <p:grpSpPr>
+        <a:xfrm>
+          <a:off x="0" y="0"/>
+          <a:ext cx="0" cy="0"/>
+          <a:chOff x="0" y="0"/>
+          <a:chExt cx="0" cy="0"/>
+        </a:xfrm>
+      </p:grpSpPr>
+      <p:sp>
+        <p:nvSpPr>
+          <p:cNvPr id="2" name="Cím 1"/>
+          <p:cNvSpPr>
+            <a:spLocks noGrp="1"/>
+          </p:cNvSpPr>
+          <p:nvPr>
+            <p:ph type="title"/>
+          </p:nvPr>
+        </p:nvSpPr>
+        <p:spPr/>
+        <p:txBody>
+          <a:bodyPr/>
+          <a:lstStyle/>
+          <a:p>
+            <a:r>
+              <a:rPr lang="hu-HU" sz="4400" err="1">
+                <a:latin typeface="Bahnschrift SemiBold"/>
+              </a:rPr>
+              <a:t>Repository</a:t>
+            </a:r>
+            <a:endParaRPr lang="hu-HU" sz="4400">
+              <a:latin typeface="Bahnschrift SemiBold"/>
+            </a:endParaRPr>
+          </a:p>
+        </p:txBody>
+      </p:sp>
+      <p:sp>
+        <p:nvSpPr>
+          <p:cNvPr id="3" name="Tartalom helye 2"/>
+          <p:cNvSpPr>
+            <a:spLocks noGrp="1"/>
+          </p:cNvSpPr>
+          <p:nvPr>
+            <p:ph idx="1"/>
+          </p:nvPr>
+        </p:nvSpPr>
+        <p:spPr>
+          <a:xfrm>
+            <a:off x="5118948" y="865561"/>
+            <a:ext cx="6292964" cy="3869377"/>
+          </a:xfrm>
+        </p:spPr>
+        <p:txBody>
+          <a:bodyPr>
+            <a:normAutofit/>
+          </a:bodyPr>
+          <a:lstStyle/>
+          <a:p>
+            <a:r>
+              <a:rPr lang="hu-HU" sz="3200"/>
+              <a:t>A projekt fájljaival és verziótörténetével rendelkező mappa</a:t>
+            </a:r>
+          </a:p>
+          <a:p>
+            <a:r>
+              <a:rPr lang="hu-HU" sz="3200">
+                <a:latin typeface="Bahnschrift"/>
+              </a:rPr>
+              <a:t>Egy könyvtárat a "</a:t>
+            </a:r>
+            <a:r>
+              <a:rPr lang="hu-HU" sz="3200" err="1">
+                <a:latin typeface="Bahnschrift"/>
+              </a:rPr>
+              <a:t>git</a:t>
+            </a:r>
+            <a:r>
+              <a:rPr lang="hu-HU" sz="3200">
+                <a:latin typeface="Bahnschrift"/>
+              </a:rPr>
+              <a:t> </a:t>
+            </a:r>
+            <a:r>
+              <a:rPr lang="hu-HU" sz="3200" err="1">
+                <a:latin typeface="Bahnschrift"/>
+              </a:rPr>
+              <a:t>init</a:t>
+            </a:r>
+            <a:r>
+              <a:rPr lang="hu-HU" sz="3200">
+                <a:latin typeface="Bahnschrift"/>
+              </a:rPr>
+              <a:t> [név]" </a:t>
+            </a:r>
+            <a:r>
+              <a:rPr lang="hu-HU" sz="3200" err="1">
+                <a:latin typeface="Bahnschrift"/>
+              </a:rPr>
+              <a:t>parancsal</a:t>
+            </a:r>
+            <a:r>
+              <a:rPr lang="hu-HU" sz="3200">
+                <a:latin typeface="Bahnschrift"/>
+              </a:rPr>
+              <a:t> lehet létrehozni</a:t>
+            </a:r>
+            <a:endParaRPr lang="hu-HU" sz="3200"/>
+          </a:p>
+          <a:p>
+            <a:endParaRPr lang="hu-HU" sz="3200"/>
+          </a:p>
+        </p:txBody>
+      </p:sp>
+      <p:sp>
+        <p:nvSpPr>
+          <p:cNvPr id="4" name="Szöveg helye 3"/>
+          <p:cNvSpPr>
+            <a:spLocks noGrp="1"/>
+          </p:cNvSpPr>
+          <p:nvPr>
+            <p:ph type="body" sz="half" idx="2"/>
+          </p:nvPr>
+        </p:nvSpPr>
+        <p:spPr/>
+        <p:txBody>
+          <a:bodyPr vert="horz" lIns="91440" tIns="45720" rIns="91440" bIns="45720" rtlCol="0" anchor="t">
+            <a:normAutofit/>
+          </a:bodyPr>
+          <a:lstStyle/>
+          <a:p>
+            <a:r>
+              <a:rPr lang="hu-HU" sz="3200">
+                <a:latin typeface="Bahnschrift"/>
+              </a:rPr>
+              <a:t>Könyvtár</a:t>
+            </a:r>
+          </a:p>
+        </p:txBody>
+      </p:sp>
+      <p:pic>
+        <p:nvPicPr>
+          <p:cNvPr id="6" name="Kép 5" descr="A képen szöveg, képernyőkép, Betűtípus, sor látható&#10;&#10;Automatikusan generált leírás">
+            <a:extLst>
+              <a:ext uri="{FF2B5EF4-FFF2-40B4-BE49-F238E27FC236}">
+                <a16:creationId xmlns:a16="http://schemas.microsoft.com/office/drawing/2014/main" id="{9D71660F-7D2B-4BF1-2C7B-E89DD4B5690A}"/>
+              </a:ext>
+            </a:extLst>
+          </p:cNvPr>
+          <p:cNvPicPr>
+            <a:picLocks noChangeAspect="1"/>
+          </p:cNvPicPr>
+          <p:nvPr/>
+        </p:nvPicPr>
+        <p:blipFill>
+          <a:blip r:embed="rId2"/>
+          <a:stretch>
+            <a:fillRect/>
+          </a:stretch>
+        </p:blipFill>
+        <p:spPr>
+          <a:xfrm>
+            <a:off x="5123460" y="4190876"/>
+            <a:ext cx="6635833" cy="1009650"/>
+          </a:xfrm>
+          <a:prstGeom prst="rect">
+            <a:avLst/>
+          </a:prstGeom>
+          <a:ln w="127000" cap="sq">
+            <a:solidFill>
+              <a:srgbClr val="000000"/>
+            </a:solidFill>
+            <a:miter lim="800000"/>
+          </a:ln>
+          <a:effectLst>
+            <a:outerShdw blurRad="57150" dist="50800" dir="2700000" algn="tl" rotWithShape="0">
+              <a:srgbClr val="000000">
+                <a:alpha val="40000"/>
+              </a:srgbClr>
+            </a:outerShdw>
+          </a:effectLst>
+        </p:spPr>
+      </p:pic>
+    </p:spTree>
+    <p:extLst>
+      <p:ext uri="{BB962C8B-B14F-4D97-AF65-F5344CB8AC3E}">
+        <p14:creationId xmlns:p14="http://schemas.microsoft.com/office/powerpoint/2010/main" val="885698651"/>
+      </p:ext>
+    </p:extLst>
+  </p:cSld>
+  <p:clrMapOvr>
+    <a:masterClrMapping/>
+  </p:clrMapOvr>
+  <p:transition spd="slow">
+    <p:push dir="u"/>
+  </p:transition>
+</p:sld>
+</file>
+
+<file path=ppt/slides/slide5.xml><?xml version="1.0" encoding="utf-8"?>
+<p:sld xmlns:a="http://schemas.openxmlformats.org/drawingml/2006/main" xmlns:r="http://schemas.openxmlformats.org/officeDocument/2006/relationships" xmlns:p="http://schemas.openxmlformats.org/presentationml/2006/main">
+  <p:cSld>
+    <p:spTree>
+      <p:nvGrpSpPr>
+        <p:cNvPr id="1" name=""/>
+        <p:cNvGrpSpPr/>
+        <p:nvPr/>
+      </p:nvGrpSpPr>
+      <p:grpSpPr>
+        <a:xfrm>
+          <a:off x="0" y="0"/>
+          <a:ext cx="0" cy="0"/>
+          <a:chOff x="0" y="0"/>
+          <a:chExt cx="0" cy="0"/>
+        </a:xfrm>
+      </p:grpSpPr>
+      <p:sp>
+        <p:nvSpPr>
+          <p:cNvPr id="2" name="Cím 1">
+            <a:extLst>
+              <a:ext uri="{FF2B5EF4-FFF2-40B4-BE49-F238E27FC236}">
+                <a16:creationId xmlns:a16="http://schemas.microsoft.com/office/drawing/2014/main" id="{461296C9-DC8F-6D5A-505C-105A0C5D194C}"/>
+              </a:ext>
+            </a:extLst>
+          </p:cNvPr>
+          <p:cNvSpPr>
+            <a:spLocks noGrp="1"/>
+          </p:cNvSpPr>
+          <p:nvPr>
+            <p:ph type="title"/>
+          </p:nvPr>
+        </p:nvSpPr>
+        <p:spPr/>
+        <p:txBody>
+          <a:bodyPr/>
+          <a:lstStyle/>
+          <a:p>
+            <a:r>
+              <a:rPr lang="hu-HU" sz="4400" err="1">
+                <a:latin typeface="Bahnschrift SemiBold"/>
+              </a:rPr>
+              <a:t>Commit</a:t>
+            </a:r>
+            <a:endParaRPr lang="hu-HU" sz="4400" err="1"/>
+          </a:p>
+        </p:txBody>
+      </p:sp>
+      <p:sp>
+        <p:nvSpPr>
+          <p:cNvPr id="3" name="Tartalom helye 2">
+            <a:extLst>
+              <a:ext uri="{FF2B5EF4-FFF2-40B4-BE49-F238E27FC236}">
+                <a16:creationId xmlns:a16="http://schemas.microsoft.com/office/drawing/2014/main" id="{37C2DEEA-D873-B184-957B-35A7097D459C}"/>
+              </a:ext>
+            </a:extLst>
+          </p:cNvPr>
+          <p:cNvSpPr>
+            <a:spLocks noGrp="1"/>
+          </p:cNvSpPr>
+          <p:nvPr>
+            <p:ph idx="1"/>
+          </p:nvPr>
+        </p:nvSpPr>
+        <p:spPr>
+          <a:xfrm>
+            <a:off x="5109983" y="802809"/>
+            <a:ext cx="6275035" cy="5249940"/>
+          </a:xfrm>
+        </p:spPr>
+        <p:txBody>
+          <a:bodyPr vert="horz" lIns="91440" tIns="45720" rIns="91440" bIns="45720" rtlCol="0" anchor="ctr">
+            <a:noAutofit/>
+          </a:bodyPr>
+          <a:lstStyle/>
+          <a:p>
+            <a:r>
+              <a:rPr lang="hu-HU" sz="3200">
+                <a:latin typeface="Bahnschrift"/>
+              </a:rPr>
+              <a:t>Egy konkrét fájl hozzáadása:</a:t>
+            </a:r>
+          </a:p>
+          <a:p>
+            <a:endParaRPr lang="hu-HU" sz="3200"/>
+          </a:p>
+          <a:p>
+            <a:r>
+              <a:rPr lang="hu-HU" sz="3200" b="1" err="1">
+                <a:latin typeface="Bahnschrift"/>
+              </a:rPr>
+              <a:t>Commitolás</a:t>
+            </a:r>
+            <a:r>
+              <a:rPr lang="hu-HU" sz="3200">
+                <a:latin typeface="Bahnschrift"/>
+              </a:rPr>
+              <a:t>: Miután a változtatásokat hozzáadtad, </a:t>
+            </a:r>
+            <a:r>
+              <a:rPr lang="hu-HU" sz="3200" err="1">
+                <a:latin typeface="Bahnschrift"/>
+              </a:rPr>
+              <a:t>commitolhatod</a:t>
+            </a:r>
+            <a:r>
+              <a:rPr lang="hu-HU" sz="3200">
+                <a:latin typeface="Bahnschrift"/>
+              </a:rPr>
+              <a:t> őket egy üzenettel.</a:t>
+            </a:r>
+          </a:p>
+          <a:p>
+            <a:endParaRPr lang="hu-HU"/>
+          </a:p>
+          <a:p>
+            <a:endParaRPr lang="hu-HU"/>
+          </a:p>
+        </p:txBody>
+      </p:sp>
+      <p:sp>
+        <p:nvSpPr>
+          <p:cNvPr id="4" name="Szöveg helye 3">
+            <a:extLst>
+              <a:ext uri="{FF2B5EF4-FFF2-40B4-BE49-F238E27FC236}">
+                <a16:creationId xmlns:a16="http://schemas.microsoft.com/office/drawing/2014/main" id="{A534DE23-E6DB-D9FF-AE2B-8DED38F88F95}"/>
+              </a:ext>
+            </a:extLst>
+          </p:cNvPr>
+          <p:cNvSpPr>
+            <a:spLocks noGrp="1"/>
+          </p:cNvSpPr>
+          <p:nvPr>
+            <p:ph type="body" sz="half" idx="2"/>
+          </p:nvPr>
+        </p:nvSpPr>
+        <p:spPr/>
+        <p:txBody>
+          <a:bodyPr vert="horz" lIns="91440" tIns="45720" rIns="91440" bIns="45720" rtlCol="0" anchor="t">
+            <a:normAutofit/>
+          </a:bodyPr>
+          <a:lstStyle/>
+          <a:p>
+            <a:r>
+              <a:rPr lang="hu-HU" sz="3200">
+                <a:latin typeface="Bahnschrift"/>
+              </a:rPr>
+              <a:t>Rögzítés</a:t>
+            </a:r>
+            <a:endParaRPr lang="hu-HU" sz="3200"/>
+          </a:p>
+        </p:txBody>
+      </p:sp>
+      <p:pic>
+        <p:nvPicPr>
+          <p:cNvPr id="5" name="Kép 4">
+            <a:extLst>
+              <a:ext uri="{FF2B5EF4-FFF2-40B4-BE49-F238E27FC236}">
+                <a16:creationId xmlns:a16="http://schemas.microsoft.com/office/drawing/2014/main" id="{793F2585-96DC-8F75-53E5-23FEEED5AD62}"/>
+              </a:ext>
+            </a:extLst>
+          </p:cNvPr>
+          <p:cNvPicPr>
+            <a:picLocks noChangeAspect="1"/>
+          </p:cNvPicPr>
+          <p:nvPr/>
+        </p:nvPicPr>
+        <p:blipFill>
+          <a:blip r:embed="rId2"/>
+          <a:stretch>
+            <a:fillRect/>
+          </a:stretch>
+        </p:blipFill>
+        <p:spPr>
+          <a:xfrm>
+            <a:off x="5552621" y="1841170"/>
+            <a:ext cx="2017773" cy="502614"/>
+          </a:xfrm>
+          <a:prstGeom prst="rect">
+            <a:avLst/>
+          </a:prstGeom>
+          <a:ln w="38100" cap="sq">
+            <a:solidFill>
+              <a:srgbClr val="000000"/>
+            </a:solidFill>
+            <a:prstDash val="solid"/>
+            <a:miter lim="800000"/>
+          </a:ln>
+          <a:effectLst>
+            <a:outerShdw blurRad="50800" dist="38100" dir="2700000" algn="tl" rotWithShape="0">
+              <a:srgbClr val="000000">
+                <a:alpha val="43000"/>
+              </a:srgbClr>
+            </a:outerShdw>
+          </a:effectLst>
+        </p:spPr>
+      </p:pic>
+      <p:pic>
+        <p:nvPicPr>
+          <p:cNvPr id="6" name="Kép 5">
+            <a:extLst>
+              <a:ext uri="{FF2B5EF4-FFF2-40B4-BE49-F238E27FC236}">
+                <a16:creationId xmlns:a16="http://schemas.microsoft.com/office/drawing/2014/main" id="{75AEBEB6-8166-F035-F0C0-F8672C3D09C8}"/>
+              </a:ext>
+            </a:extLst>
+          </p:cNvPr>
+          <p:cNvPicPr>
+            <a:picLocks noChangeAspect="1"/>
+          </p:cNvPicPr>
+          <p:nvPr/>
+        </p:nvPicPr>
+        <p:blipFill>
+          <a:blip r:embed="rId3"/>
+          <a:stretch>
+            <a:fillRect/>
+          </a:stretch>
+        </p:blipFill>
+        <p:spPr>
+          <a:xfrm>
+            <a:off x="5554841" y="5097737"/>
+            <a:ext cx="3840349" cy="700744"/>
+          </a:xfrm>
+          <a:prstGeom prst="rect">
+            <a:avLst/>
+          </a:prstGeom>
+          <a:ln w="38100" cap="sq">
+            <a:solidFill>
+              <a:srgbClr val="000000"/>
+            </a:solidFill>
+            <a:prstDash val="solid"/>
+            <a:miter lim="800000"/>
+          </a:ln>
+          <a:effectLst>
+            <a:outerShdw blurRad="50800" dist="38100" dir="2700000" algn="tl" rotWithShape="0">
+              <a:srgbClr val="000000">
+                <a:alpha val="43000"/>
+              </a:srgbClr>
+            </a:outerShdw>
+          </a:effectLst>
+        </p:spPr>
+      </p:pic>
+    </p:spTree>
+    <p:extLst>
+      <p:ext uri="{BB962C8B-B14F-4D97-AF65-F5344CB8AC3E}">
+        <p14:creationId xmlns:p14="http://schemas.microsoft.com/office/powerpoint/2010/main" val="3882558835"/>
+      </p:ext>
+    </p:extLst>
+  </p:cSld>
+  <p:clrMapOvr>
+    <a:masterClrMapping/>
+  </p:clrMapOvr>
+</p:sld>
+</file>
+
+<file path=ppt/slides/slide6.xml><?xml version="1.0" encoding="utf-8"?>
+<p:sld xmlns:a="http://schemas.openxmlformats.org/drawingml/2006/main" xmlns:r="http://schemas.openxmlformats.org/officeDocument/2006/relationships" xmlns:p="http://schemas.openxmlformats.org/presentationml/2006/main">
+  <p:cSld>
+    <p:spTree>
+      <p:nvGrpSpPr>
+        <p:cNvPr id="1" name=""/>
+        <p:cNvGrpSpPr/>
+        <p:nvPr/>
+      </p:nvGrpSpPr>
+      <p:grpSpPr>
+        <a:xfrm>
+          <a:off x="0" y="0"/>
+          <a:ext cx="0" cy="0"/>
+          <a:chOff x="0" y="0"/>
+          <a:chExt cx="0" cy="0"/>
+        </a:xfrm>
+      </p:grpSpPr>
+      <p:sp>
+        <p:nvSpPr>
+          <p:cNvPr id="2" name="Cím 1">
+            <a:extLst>
+              <a:ext uri="{FF2B5EF4-FFF2-40B4-BE49-F238E27FC236}">
+                <a16:creationId xmlns:a16="http://schemas.microsoft.com/office/drawing/2014/main" id="{4977722A-EC43-8CBC-09DA-2598D9F96E59}"/>
+              </a:ext>
+            </a:extLst>
+          </p:cNvPr>
+          <p:cNvSpPr>
+            <a:spLocks noGrp="1"/>
+          </p:cNvSpPr>
+          <p:nvPr>
+            <p:ph type="title"/>
+          </p:nvPr>
+        </p:nvSpPr>
+        <p:spPr/>
+        <p:txBody>
+          <a:bodyPr/>
+          <a:lstStyle/>
+          <a:p>
+            <a:r>
+              <a:rPr lang="hu-HU" sz="4400" err="1">
+                <a:latin typeface="Bahnschrift SemiBold"/>
+              </a:rPr>
+              <a:t>Branch</a:t>
+            </a:r>
+            <a:r>
+              <a:rPr lang="hu-HU" sz="4400">
+                <a:latin typeface="Bahnschrift SemiBold"/>
+              </a:rPr>
+              <a:t> I.</a:t>
+            </a:r>
+            <a:endParaRPr lang="hu-HU" err="1"/>
+          </a:p>
+        </p:txBody>
+      </p:sp>
+      <p:sp>
+        <p:nvSpPr>
+          <p:cNvPr id="3" name="Tartalom helye 2">
+            <a:extLst>
+              <a:ext uri="{FF2B5EF4-FFF2-40B4-BE49-F238E27FC236}">
+                <a16:creationId xmlns:a16="http://schemas.microsoft.com/office/drawing/2014/main" id="{2D396B7E-FE12-B074-41B8-52F0D728ABF9}"/>
+              </a:ext>
+            </a:extLst>
+          </p:cNvPr>
+          <p:cNvSpPr>
+            <a:spLocks noGrp="1"/>
+          </p:cNvSpPr>
+          <p:nvPr>
+            <p:ph idx="1"/>
+          </p:nvPr>
+        </p:nvSpPr>
+        <p:spPr>
+          <a:xfrm>
+            <a:off x="5109983" y="451117"/>
+            <a:ext cx="6275035" cy="3794670"/>
+          </a:xfrm>
+        </p:spPr>
+        <p:txBody>
+          <a:bodyPr vert="horz" lIns="91440" tIns="45720" rIns="91440" bIns="45720" rtlCol="0" anchor="ctr">
+            <a:noAutofit/>
+          </a:bodyPr>
+          <a:lstStyle/>
+          <a:p>
+            <a:r>
+              <a:rPr lang="hu-HU" sz="3200">
+                <a:latin typeface="Bahnschrift"/>
+              </a:rPr>
+              <a:t>Egy ág az alap (helyi) könyvtár egy másik, különböző verziója</a:t>
+            </a:r>
+          </a:p>
+          <a:p>
+            <a:r>
+              <a:rPr lang="hu-HU" sz="3200">
+                <a:latin typeface="Bahnschrift"/>
+              </a:rPr>
+              <a:t>Parancs: "</a:t>
+            </a:r>
+            <a:r>
+              <a:rPr lang="hu-HU" sz="3200" err="1">
+                <a:latin typeface="Bahnschrift"/>
+              </a:rPr>
+              <a:t>git</a:t>
+            </a:r>
+            <a:r>
+              <a:rPr lang="hu-HU" sz="3200">
+                <a:latin typeface="Bahnschrift"/>
+              </a:rPr>
+              <a:t> </a:t>
+            </a:r>
+            <a:r>
+              <a:rPr lang="hu-HU" sz="3200" err="1">
+                <a:latin typeface="Bahnschrift"/>
+              </a:rPr>
+              <a:t>branch</a:t>
+            </a:r>
+            <a:r>
+              <a:rPr lang="hu-HU" sz="3200">
+                <a:latin typeface="Bahnschrift"/>
+              </a:rPr>
+              <a:t> [név]"</a:t>
+            </a:r>
+            <a:endParaRPr lang="hu-HU" sz="3200"/>
+          </a:p>
+        </p:txBody>
+      </p:sp>
+      <p:sp>
+        <p:nvSpPr>
+          <p:cNvPr id="4" name="Szöveg helye 3">
+            <a:extLst>
+              <a:ext uri="{FF2B5EF4-FFF2-40B4-BE49-F238E27FC236}">
+                <a16:creationId xmlns:a16="http://schemas.microsoft.com/office/drawing/2014/main" id="{4E949E2C-9989-A5CA-D52E-7F4638AEA676}"/>
+              </a:ext>
+            </a:extLst>
+          </p:cNvPr>
+          <p:cNvSpPr>
+            <a:spLocks noGrp="1"/>
+          </p:cNvSpPr>
+          <p:nvPr>
+            <p:ph type="body" sz="half" idx="2"/>
+          </p:nvPr>
+        </p:nvSpPr>
+        <p:spPr/>
+        <p:txBody>
+          <a:bodyPr vert="horz" lIns="91440" tIns="45720" rIns="91440" bIns="45720" rtlCol="0" anchor="t">
+            <a:normAutofit/>
+          </a:bodyPr>
+          <a:lstStyle/>
+          <a:p>
+            <a:r>
+              <a:rPr lang="hu-HU" sz="3200">
+                <a:latin typeface="Bahnschrift"/>
+              </a:rPr>
+              <a:t>Ág</a:t>
+            </a:r>
+            <a:endParaRPr lang="hu-HU"/>
+          </a:p>
+        </p:txBody>
+      </p:sp>
+      <p:pic>
+        <p:nvPicPr>
+          <p:cNvPr id="5" name="Kép 4" descr="A képen szöveg, képernyőkép, Betűtípus látható&#10;&#10;Automatikusan generált leírás">
+            <a:extLst>
+              <a:ext uri="{FF2B5EF4-FFF2-40B4-BE49-F238E27FC236}">
+                <a16:creationId xmlns:a16="http://schemas.microsoft.com/office/drawing/2014/main" id="{DA710F1C-B578-985A-A2EB-05E7FC865B29}"/>
+              </a:ext>
+            </a:extLst>
+          </p:cNvPr>
+          <p:cNvPicPr>
+            <a:picLocks noChangeAspect="1"/>
+          </p:cNvPicPr>
+          <p:nvPr/>
+        </p:nvPicPr>
+        <p:blipFill>
+          <a:blip r:embed="rId2"/>
+          <a:srcRect t="14035" r="173" b="-877"/>
+          <a:stretch/>
+        </p:blipFill>
+        <p:spPr>
+          <a:xfrm>
+            <a:off x="5402069" y="4307803"/>
+            <a:ext cx="5690400" cy="985086"/>
+          </a:xfrm>
+          <a:prstGeom prst="rect">
+            <a:avLst/>
+          </a:prstGeom>
+          <a:ln w="127000" cap="sq">
+            <a:solidFill>
+              <a:srgbClr val="000000"/>
+            </a:solidFill>
+            <a:miter lim="800000"/>
+          </a:ln>
+          <a:effectLst>
+            <a:outerShdw blurRad="57150" dist="50800" dir="2700000" algn="tl" rotWithShape="0">
+              <a:srgbClr val="000000">
+                <a:alpha val="40000"/>
+              </a:srgbClr>
+            </a:outerShdw>
+          </a:effectLst>
+        </p:spPr>
+      </p:pic>
+    </p:spTree>
+    <p:extLst>
+      <p:ext uri="{BB962C8B-B14F-4D97-AF65-F5344CB8AC3E}">
+        <p14:creationId xmlns:p14="http://schemas.microsoft.com/office/powerpoint/2010/main" val="1541073927"/>
+      </p:ext>
+    </p:extLst>
+  </p:cSld>
+  <p:clrMapOvr>
+    <a:masterClrMapping/>
+  </p:clrMapOvr>
+</p:sld>
+</file>
+
+<file path=ppt/slides/slide7.xml><?xml version="1.0" encoding="utf-8"?>
+<p:sld xmlns:a="http://schemas.openxmlformats.org/drawingml/2006/main" xmlns:r="http://schemas.openxmlformats.org/officeDocument/2006/relationships" xmlns:p="http://schemas.openxmlformats.org/presentationml/2006/main">
+  <p:cSld>
+    <p:spTree>
+      <p:nvGrpSpPr>
+        <p:cNvPr id="1" name=""/>
+        <p:cNvGrpSpPr/>
+        <p:nvPr/>
+      </p:nvGrpSpPr>
+      <p:grpSpPr>
+        <a:xfrm>
+          <a:off x="0" y="0"/>
+          <a:ext cx="0" cy="0"/>
+          <a:chOff x="0" y="0"/>
+          <a:chExt cx="0" cy="0"/>
+        </a:xfrm>
+      </p:grpSpPr>
+      <p:sp>
+        <p:nvSpPr>
+          <p:cNvPr id="2" name="Cím 1">
+            <a:extLst>
+              <a:ext uri="{FF2B5EF4-FFF2-40B4-BE49-F238E27FC236}">
+                <a16:creationId xmlns:a16="http://schemas.microsoft.com/office/drawing/2014/main" id="{4977722A-EC43-8CBC-09DA-2598D9F96E59}"/>
+              </a:ext>
+            </a:extLst>
+          </p:cNvPr>
+          <p:cNvSpPr>
+            <a:spLocks noGrp="1"/>
+          </p:cNvSpPr>
+          <p:nvPr>
+            <p:ph type="title"/>
+          </p:nvPr>
+        </p:nvSpPr>
+        <p:spPr/>
+        <p:txBody>
+          <a:bodyPr/>
+          <a:lstStyle/>
+          <a:p>
+            <a:r>
+              <a:rPr lang="hu-HU" sz="4400" err="1">
+                <a:latin typeface="Bahnschrift SemiBold"/>
+              </a:rPr>
+              <a:t>Branch</a:t>
+            </a:r>
+            <a:r>
+              <a:rPr lang="hu-HU" sz="4400">
+                <a:latin typeface="Bahnschrift SemiBold"/>
+              </a:rPr>
+              <a:t> II.</a:t>
+            </a:r>
+            <a:endParaRPr lang="hu-HU"/>
+          </a:p>
+        </p:txBody>
+      </p:sp>
+      <p:sp>
+        <p:nvSpPr>
+          <p:cNvPr id="3" name="Tartalom helye 2">
+            <a:extLst>
+              <a:ext uri="{FF2B5EF4-FFF2-40B4-BE49-F238E27FC236}">
+                <a16:creationId xmlns:a16="http://schemas.microsoft.com/office/drawing/2014/main" id="{2D396B7E-FE12-B074-41B8-52F0D728ABF9}"/>
+              </a:ext>
+            </a:extLst>
+          </p:cNvPr>
+          <p:cNvSpPr>
+            <a:spLocks noGrp="1"/>
+          </p:cNvSpPr>
+          <p:nvPr>
+            <p:ph idx="1"/>
+          </p:nvPr>
+        </p:nvSpPr>
+        <p:spPr>
+          <a:xfrm>
+            <a:off x="5109983" y="451117"/>
+            <a:ext cx="6275035" cy="3794670"/>
+          </a:xfrm>
+        </p:spPr>
+        <p:txBody>
+          <a:bodyPr>
+            <a:normAutofit/>
+          </a:bodyPr>
+          <a:lstStyle/>
+          <a:p>
+            <a:r>
+              <a:rPr lang="hu-HU" sz="3200">
+                <a:latin typeface="Bahnschrift"/>
+              </a:rPr>
+              <a:t>Egy ág belépéséhez a "</a:t>
+            </a:r>
+            <a:r>
+              <a:rPr lang="hu-HU" sz="3200" err="1">
+                <a:latin typeface="Bahnschrift"/>
+              </a:rPr>
+              <a:t>git</a:t>
+            </a:r>
+            <a:r>
+              <a:rPr lang="hu-HU" sz="3200">
+                <a:latin typeface="Bahnschrift"/>
+              </a:rPr>
+              <a:t> </a:t>
+            </a:r>
+            <a:r>
+              <a:rPr lang="hu-HU" sz="3200" err="1">
+                <a:latin typeface="Bahnschrift"/>
+              </a:rPr>
+              <a:t>checkout</a:t>
+            </a:r>
+            <a:r>
+              <a:rPr lang="hu-HU" sz="3200">
+                <a:latin typeface="Bahnschrift"/>
+              </a:rPr>
+              <a:t> [név]" parancs szükséges</a:t>
+            </a:r>
+            <a:endParaRPr lang="hu-HU" sz="3200"/>
+          </a:p>
+        </p:txBody>
+      </p:sp>
+      <p:sp>
+        <p:nvSpPr>
+          <p:cNvPr id="4" name="Szöveg helye 3">
+            <a:extLst>
+              <a:ext uri="{FF2B5EF4-FFF2-40B4-BE49-F238E27FC236}">
+                <a16:creationId xmlns:a16="http://schemas.microsoft.com/office/drawing/2014/main" id="{4E949E2C-9989-A5CA-D52E-7F4638AEA676}"/>
+              </a:ext>
+            </a:extLst>
+          </p:cNvPr>
+          <p:cNvSpPr>
+            <a:spLocks noGrp="1"/>
+          </p:cNvSpPr>
+          <p:nvPr>
+            <p:ph type="body" sz="half" idx="2"/>
+          </p:nvPr>
+        </p:nvSpPr>
+        <p:spPr/>
+        <p:txBody>
+          <a:bodyPr vert="horz" lIns="91440" tIns="45720" rIns="91440" bIns="45720" rtlCol="0" anchor="t">
+            <a:normAutofit/>
+          </a:bodyPr>
+          <a:lstStyle/>
+          <a:p>
+            <a:r>
+              <a:rPr lang="hu-HU" sz="3200">
+                <a:latin typeface="Bahnschrift"/>
+              </a:rPr>
+              <a:t>Lépés ágak között</a:t>
+            </a:r>
+            <a:endParaRPr lang="hu-HU" sz="3200"/>
+          </a:p>
+        </p:txBody>
+      </p:sp>
+      <p:pic>
+        <p:nvPicPr>
+          <p:cNvPr id="6" name="Kép 5" descr="A képen szöveg, képernyőkép, Betűtípus, sor látható&#10;&#10;Automatikusan generált leírás">
+            <a:extLst>
+              <a:ext uri="{FF2B5EF4-FFF2-40B4-BE49-F238E27FC236}">
+                <a16:creationId xmlns:a16="http://schemas.microsoft.com/office/drawing/2014/main" id="{69370207-4487-344D-1DB7-4BDD0DAC9533}"/>
+              </a:ext>
+            </a:extLst>
+          </p:cNvPr>
+          <p:cNvPicPr>
+            <a:picLocks noChangeAspect="1"/>
+          </p:cNvPicPr>
+          <p:nvPr/>
+        </p:nvPicPr>
+        <p:blipFill>
+          <a:blip r:embed="rId2"/>
+          <a:stretch>
+            <a:fillRect/>
+          </a:stretch>
+        </p:blipFill>
+        <p:spPr>
+          <a:xfrm>
+            <a:off x="5111140" y="3763597"/>
+            <a:ext cx="6268182" cy="1216269"/>
+          </a:xfrm>
+          <a:prstGeom prst="rect">
+            <a:avLst/>
+          </a:prstGeom>
+          <a:ln w="127000" cap="sq">
+            <a:solidFill>
+              <a:srgbClr val="000000"/>
+            </a:solidFill>
+            <a:miter lim="800000"/>
+          </a:ln>
+          <a:effectLst>
+            <a:outerShdw blurRad="57150" dist="50800" dir="2700000" algn="tl" rotWithShape="0">
+              <a:srgbClr val="000000">
+                <a:alpha val="40000"/>
+              </a:srgbClr>
+            </a:outerShdw>
+          </a:effectLst>
+        </p:spPr>
+      </p:pic>
+    </p:spTree>
+    <p:extLst>
+      <p:ext uri="{BB962C8B-B14F-4D97-AF65-F5344CB8AC3E}">
+        <p14:creationId xmlns:p14="http://schemas.microsoft.com/office/powerpoint/2010/main" val="3778959671"/>
+      </p:ext>
+    </p:extLst>
+  </p:cSld>
+  <p:clrMapOvr>
+    <a:masterClrMapping/>
+  </p:clrMapOvr>
+</p:sld>
+</file>
+
+<file path=ppt/slides/slide8.xml><?xml version="1.0" encoding="utf-8"?>
+<p:sld xmlns:a="http://schemas.openxmlformats.org/drawingml/2006/main" xmlns:r="http://schemas.openxmlformats.org/officeDocument/2006/relationships" xmlns:p="http://schemas.openxmlformats.org/presentationml/2006/main">
+  <p:cSld>
+    <p:spTree>
+      <p:nvGrpSpPr>
+        <p:cNvPr id="1" name=""/>
+        <p:cNvGrpSpPr/>
+        <p:nvPr/>
+      </p:nvGrpSpPr>
+      <p:grpSpPr>
+        <a:xfrm>
+          <a:off x="0" y="0"/>
+          <a:ext cx="0" cy="0"/>
+          <a:chOff x="0" y="0"/>
+          <a:chExt cx="0" cy="0"/>
+        </a:xfrm>
+      </p:grpSpPr>
+      <p:sp>
+        <p:nvSpPr>
+          <p:cNvPr id="2" name="Cím 1"/>
+          <p:cNvSpPr>
+            <a:spLocks noGrp="1"/>
+          </p:cNvSpPr>
+          <p:nvPr>
+            <p:ph type="title"/>
+          </p:nvPr>
+        </p:nvSpPr>
+        <p:spPr/>
+        <p:txBody>
+          <a:bodyPr/>
+          <a:lstStyle/>
+          <a:p>
+            <a:r>
+              <a:rPr lang="hu-HU"/>
+              <a:t>Források</a:t>
+            </a:r>
+          </a:p>
+        </p:txBody>
+      </p:sp>
+      <p:sp>
+        <p:nvSpPr>
+          <p:cNvPr id="3" name="Tartalom helye 2"/>
+          <p:cNvSpPr>
+            <a:spLocks noGrp="1"/>
+          </p:cNvSpPr>
+          <p:nvPr>
+            <p:ph idx="1"/>
+          </p:nvPr>
+        </p:nvSpPr>
+        <p:spPr/>
+        <p:txBody>
+          <a:bodyPr/>
+          <a:lstStyle/>
+          <a:p>
+            <a:r>
+              <a:rPr lang="hu-HU">
+                <a:hlinkClick r:id="rId2"/>
+              </a:rPr>
+              <a:t>https://hu.wikipedia.org/wiki/Linus_Torvalds</a:t>
+            </a:r>
+            <a:r>
+              <a:rPr lang="hu-HU"/>
+              <a:t> | 2. Dia</a:t>
+            </a:r>
+          </a:p>
+          <a:p>
+            <a:r>
+              <a:rPr lang="hu-HU">
+                <a:latin typeface="Bahnschrift"/>
+                <a:hlinkClick r:id="rId3"/>
+              </a:rPr>
+              <a:t>https://www.w3schools.com/git/git_getstarted.asp</a:t>
+            </a:r>
+            <a:r>
+              <a:rPr lang="hu-HU">
+                <a:latin typeface="Bahnschrift"/>
+              </a:rPr>
+              <a:t> | 4. Dia</a:t>
+            </a:r>
+            <a:endParaRPr lang="hu-HU"/>
+          </a:p>
+        </p:txBody>
+      </p:sp>
+      <p:sp>
+        <p:nvSpPr>
+          <p:cNvPr id="4" name="Szöveg helye 3"/>
+          <p:cNvSpPr>
+            <a:spLocks noGrp="1"/>
+          </p:cNvSpPr>
+          <p:nvPr>
+            <p:ph type="body" sz="half" idx="2"/>
+          </p:nvPr>
+        </p:nvSpPr>
+        <p:spPr>
+          <a:xfrm>
+            <a:off x="888631" y="3575324"/>
+            <a:ext cx="3501197" cy="1226025"/>
+          </a:xfrm>
+        </p:spPr>
+        <p:txBody>
+          <a:bodyPr/>
+          <a:lstStyle/>
+          <a:p>
+            <a:r>
+              <a:rPr lang="hu-HU"/>
+              <a:t>Letöltés ideje</a:t>
+            </a:r>
+          </a:p>
+          <a:p>
+            <a:r>
+              <a:rPr lang="hu-HU"/>
+              <a:t>2024.10.21.</a:t>
+            </a:r>
+          </a:p>
+        </p:txBody>
+      </p:sp>
+    </p:spTree>
+    <p:extLst>
+      <p:ext uri="{BB962C8B-B14F-4D97-AF65-F5344CB8AC3E}">
+        <p14:creationId xmlns:p14="http://schemas.microsoft.com/office/powerpoint/2010/main" val="3317459765"/>
+      </p:ext>
+    </p:extLst>
+  </p:cSld>
+  <p:clrMapOvr>
+    <a:masterClrMapping/>
+  </p:clrMapOvr>
+  <p:transition spd="slow">
+    <p:push dir="u"/>
+  </p:transition>
 </p:sld>
 </file>
 
